--- a/tutorial8/tutorial8.pptx
+++ b/tutorial8/tutorial8.pptx
@@ -108,7 +108,7 @@
   </p:defaultTextStyle>
   <p:extLst>
     <p:ext uri="{EFAFB233-063F-42B5-8137-9DF3F51BA10A}">
-      <p15:sldGuideLst xmlns:p15="http://schemas.microsoft.com/office/powerpoint/2012/main">
+      <p15:sldGuideLst xmlns:p15="http://schemas.microsoft.com/office/powerpoint/2012/main" xmlns="">
         <p15:guide id="1" orient="horz" pos="2160">
           <p15:clr>
             <a:srgbClr val="A4A3A4"/>
@@ -147,7 +147,7 @@
           <p:cNvPr id="14" name="Rectangle 13">
             <a:extLst>
               <a:ext uri="{FF2B5EF4-FFF2-40B4-BE49-F238E27FC236}">
-                <a16:creationId xmlns:a16="http://schemas.microsoft.com/office/drawing/2014/main" id="{9D3B3C7E-BC2D-4436-8B03-AC421FA66787}"/>
+                <a16:creationId xmlns:a16="http://schemas.microsoft.com/office/drawing/2014/main" xmlns="" id="{9D3B3C7E-BC2D-4436-8B03-AC421FA66787}"/>
               </a:ext>
             </a:extLst>
           </p:cNvPr>
@@ -199,7 +199,7 @@
           <p:cNvPr id="2" name="Title 1">
             <a:extLst>
               <a:ext uri="{FF2B5EF4-FFF2-40B4-BE49-F238E27FC236}">
-                <a16:creationId xmlns:a16="http://schemas.microsoft.com/office/drawing/2014/main" id="{0B66887E-4265-46F7-9DE0-605FFFC90761}"/>
+                <a16:creationId xmlns:a16="http://schemas.microsoft.com/office/drawing/2014/main" xmlns="" id="{0B66887E-4265-46F7-9DE0-605FFFC90761}"/>
               </a:ext>
             </a:extLst>
           </p:cNvPr>
@@ -241,7 +241,7 @@
           <p:cNvPr id="3" name="Subtitle 2">
             <a:extLst>
               <a:ext uri="{FF2B5EF4-FFF2-40B4-BE49-F238E27FC236}">
-                <a16:creationId xmlns:a16="http://schemas.microsoft.com/office/drawing/2014/main" id="{7EDB1A74-54F5-45CA-8922-87FFD57515D4}"/>
+                <a16:creationId xmlns:a16="http://schemas.microsoft.com/office/drawing/2014/main" xmlns="" id="{7EDB1A74-54F5-45CA-8922-87FFD57515D4}"/>
               </a:ext>
             </a:extLst>
           </p:cNvPr>
@@ -316,7 +316,7 @@
           <p:cNvPr id="4" name="Date Placeholder 3">
             <a:extLst>
               <a:ext uri="{FF2B5EF4-FFF2-40B4-BE49-F238E27FC236}">
-                <a16:creationId xmlns:a16="http://schemas.microsoft.com/office/drawing/2014/main" id="{0B6BE6EF-9D0F-4ABF-B92C-E967FE3F16CF}"/>
+                <a16:creationId xmlns:a16="http://schemas.microsoft.com/office/drawing/2014/main" xmlns="" id="{0B6BE6EF-9D0F-4ABF-B92C-E967FE3F16CF}"/>
               </a:ext>
             </a:extLst>
           </p:cNvPr>
@@ -334,7 +334,7 @@
           <a:p>
             <a:fld id="{C485584D-7D79-4248-9986-4CA35242F944}" type="datetimeFigureOut">
               <a:rPr lang="en-US" smtClean="0"/>
-              <a:t>11/24/23</a:t>
+              <a:t>11/24/2023</a:t>
             </a:fld>
             <a:endParaRPr lang="en-US"/>
           </a:p>
@@ -345,7 +345,7 @@
           <p:cNvPr id="5" name="Footer Placeholder 4">
             <a:extLst>
               <a:ext uri="{FF2B5EF4-FFF2-40B4-BE49-F238E27FC236}">
-                <a16:creationId xmlns:a16="http://schemas.microsoft.com/office/drawing/2014/main" id="{4E4AB150-954C-4F02-89AC-DA7163D75C39}"/>
+                <a16:creationId xmlns:a16="http://schemas.microsoft.com/office/drawing/2014/main" xmlns="" id="{4E4AB150-954C-4F02-89AC-DA7163D75C39}"/>
               </a:ext>
             </a:extLst>
           </p:cNvPr>
@@ -375,7 +375,7 @@
           <p:cNvPr id="6" name="Slide Number Placeholder 5">
             <a:extLst>
               <a:ext uri="{FF2B5EF4-FFF2-40B4-BE49-F238E27FC236}">
-                <a16:creationId xmlns:a16="http://schemas.microsoft.com/office/drawing/2014/main" id="{E8E16270-CBD7-4ACC-BFC5-9CADE7226688}"/>
+                <a16:creationId xmlns:a16="http://schemas.microsoft.com/office/drawing/2014/main" xmlns="" id="{E8E16270-CBD7-4ACC-BFC5-9CADE7226688}"/>
               </a:ext>
             </a:extLst>
           </p:cNvPr>
@@ -404,7 +404,7 @@
           <p:cNvPr id="7" name="Group 6">
             <a:extLst>
               <a:ext uri="{FF2B5EF4-FFF2-40B4-BE49-F238E27FC236}">
-                <a16:creationId xmlns:a16="http://schemas.microsoft.com/office/drawing/2014/main" id="{79B5D0C1-066E-4C02-A6B8-59FAE4A19724}"/>
+                <a16:creationId xmlns:a16="http://schemas.microsoft.com/office/drawing/2014/main" xmlns="" id="{79B5D0C1-066E-4C02-A6B8-59FAE4A19724}"/>
               </a:ext>
             </a:extLst>
           </p:cNvPr>
@@ -424,7 +424,7 @@
             <p:cNvPr id="8" name="Rectangle 7">
               <a:extLst>
                 <a:ext uri="{FF2B5EF4-FFF2-40B4-BE49-F238E27FC236}">
-                  <a16:creationId xmlns:a16="http://schemas.microsoft.com/office/drawing/2014/main" id="{D4386904-AFDC-449E-8D1B-906B305EBDA7}"/>
+                  <a16:creationId xmlns:a16="http://schemas.microsoft.com/office/drawing/2014/main" xmlns="" id="{D4386904-AFDC-449E-8D1B-906B305EBDA7}"/>
                 </a:ext>
               </a:extLst>
             </p:cNvPr>
@@ -487,7 +487,7 @@
             <p:cNvPr id="9" name="Straight Connector 8">
               <a:extLst>
                 <a:ext uri="{FF2B5EF4-FFF2-40B4-BE49-F238E27FC236}">
-                  <a16:creationId xmlns:a16="http://schemas.microsoft.com/office/drawing/2014/main" id="{F70778F2-11E8-428C-8324-479CA9D6FE92}"/>
+                  <a16:creationId xmlns:a16="http://schemas.microsoft.com/office/drawing/2014/main" xmlns="" id="{F70778F2-11E8-428C-8324-479CA9D6FE92}"/>
                 </a:ext>
               </a:extLst>
             </p:cNvPr>
@@ -528,7 +528,7 @@
             <p:cNvPr id="10" name="Straight Connector 9">
               <a:extLst>
                 <a:ext uri="{FF2B5EF4-FFF2-40B4-BE49-F238E27FC236}">
-                  <a16:creationId xmlns:a16="http://schemas.microsoft.com/office/drawing/2014/main" id="{4A0BE89E-CB2D-48BA-A8D2-533FAAAA725F}"/>
+                  <a16:creationId xmlns:a16="http://schemas.microsoft.com/office/drawing/2014/main" xmlns="" id="{4A0BE89E-CB2D-48BA-A8D2-533FAAAA725F}"/>
                 </a:ext>
               </a:extLst>
             </p:cNvPr>
@@ -600,7 +600,7 @@
           <p:cNvPr id="2" name="Title 1">
             <a:extLst>
               <a:ext uri="{FF2B5EF4-FFF2-40B4-BE49-F238E27FC236}">
-                <a16:creationId xmlns:a16="http://schemas.microsoft.com/office/drawing/2014/main" id="{05DB1126-542A-43AD-8078-EE3565165448}"/>
+                <a16:creationId xmlns:a16="http://schemas.microsoft.com/office/drawing/2014/main" xmlns="" id="{05DB1126-542A-43AD-8078-EE3565165448}"/>
               </a:ext>
             </a:extLst>
           </p:cNvPr>
@@ -628,7 +628,7 @@
           <p:cNvPr id="3" name="Vertical Text Placeholder 2">
             <a:extLst>
               <a:ext uri="{FF2B5EF4-FFF2-40B4-BE49-F238E27FC236}">
-                <a16:creationId xmlns:a16="http://schemas.microsoft.com/office/drawing/2014/main" id="{A4A5F98B-5F32-4561-BFBC-9F6E5DA0A347}"/>
+                <a16:creationId xmlns:a16="http://schemas.microsoft.com/office/drawing/2014/main" xmlns="" id="{A4A5F98B-5F32-4561-BFBC-9F6E5DA0A347}"/>
               </a:ext>
             </a:extLst>
           </p:cNvPr>
@@ -690,7 +690,7 @@
           <p:cNvPr id="4" name="Date Placeholder 3">
             <a:extLst>
               <a:ext uri="{FF2B5EF4-FFF2-40B4-BE49-F238E27FC236}">
-                <a16:creationId xmlns:a16="http://schemas.microsoft.com/office/drawing/2014/main" id="{F773D0DD-B04E-4E48-8EE1-51E46131A9A2}"/>
+                <a16:creationId xmlns:a16="http://schemas.microsoft.com/office/drawing/2014/main" xmlns="" id="{F773D0DD-B04E-4E48-8EE1-51E46131A9A2}"/>
               </a:ext>
             </a:extLst>
           </p:cNvPr>
@@ -708,7 +708,7 @@
           <a:p>
             <a:fld id="{C485584D-7D79-4248-9986-4CA35242F944}" type="datetimeFigureOut">
               <a:rPr lang="en-US" smtClean="0"/>
-              <a:t>11/24/23</a:t>
+              <a:t>11/24/2023</a:t>
             </a:fld>
             <a:endParaRPr lang="en-US"/>
           </a:p>
@@ -719,7 +719,7 @@
           <p:cNvPr id="5" name="Footer Placeholder 4">
             <a:extLst>
               <a:ext uri="{FF2B5EF4-FFF2-40B4-BE49-F238E27FC236}">
-                <a16:creationId xmlns:a16="http://schemas.microsoft.com/office/drawing/2014/main" id="{0481352D-F9C0-4442-9601-A09A7655E685}"/>
+                <a16:creationId xmlns:a16="http://schemas.microsoft.com/office/drawing/2014/main" xmlns="" id="{0481352D-F9C0-4442-9601-A09A7655E685}"/>
               </a:ext>
             </a:extLst>
           </p:cNvPr>
@@ -744,7 +744,7 @@
           <p:cNvPr id="6" name="Slide Number Placeholder 5">
             <a:extLst>
               <a:ext uri="{FF2B5EF4-FFF2-40B4-BE49-F238E27FC236}">
-                <a16:creationId xmlns:a16="http://schemas.microsoft.com/office/drawing/2014/main" id="{69FC0801-9C45-40AE-AB33-5742CDA4DAC7}"/>
+                <a16:creationId xmlns:a16="http://schemas.microsoft.com/office/drawing/2014/main" xmlns="" id="{69FC0801-9C45-40AE-AB33-5742CDA4DAC7}"/>
               </a:ext>
             </a:extLst>
           </p:cNvPr>
@@ -803,7 +803,7 @@
           <p:cNvPr id="2" name="Vertical Title 1">
             <a:extLst>
               <a:ext uri="{FF2B5EF4-FFF2-40B4-BE49-F238E27FC236}">
-                <a16:creationId xmlns:a16="http://schemas.microsoft.com/office/drawing/2014/main" id="{4E946561-59BF-4566-AD2C-9B05C4771DF4}"/>
+                <a16:creationId xmlns:a16="http://schemas.microsoft.com/office/drawing/2014/main" xmlns="" id="{4E946561-59BF-4566-AD2C-9B05C4771DF4}"/>
               </a:ext>
             </a:extLst>
           </p:cNvPr>
@@ -837,7 +837,7 @@
           <p:cNvPr id="3" name="Vertical Text Placeholder 2">
             <a:extLst>
               <a:ext uri="{FF2B5EF4-FFF2-40B4-BE49-F238E27FC236}">
-                <a16:creationId xmlns:a16="http://schemas.microsoft.com/office/drawing/2014/main" id="{A1DF7870-6CBD-47E2-854C-68141BAA101D}"/>
+                <a16:creationId xmlns:a16="http://schemas.microsoft.com/office/drawing/2014/main" xmlns="" id="{A1DF7870-6CBD-47E2-854C-68141BAA101D}"/>
               </a:ext>
             </a:extLst>
           </p:cNvPr>
@@ -900,7 +900,7 @@
           <p:cNvPr id="4" name="Date Placeholder 3">
             <a:extLst>
               <a:ext uri="{FF2B5EF4-FFF2-40B4-BE49-F238E27FC236}">
-                <a16:creationId xmlns:a16="http://schemas.microsoft.com/office/drawing/2014/main" id="{8712FAF3-C106-49CB-A845-1FC7F731399D}"/>
+                <a16:creationId xmlns:a16="http://schemas.microsoft.com/office/drawing/2014/main" xmlns="" id="{8712FAF3-C106-49CB-A845-1FC7F731399D}"/>
               </a:ext>
             </a:extLst>
           </p:cNvPr>
@@ -918,7 +918,7 @@
           <a:p>
             <a:fld id="{C485584D-7D79-4248-9986-4CA35242F944}" type="datetimeFigureOut">
               <a:rPr lang="en-US" smtClean="0"/>
-              <a:t>11/24/23</a:t>
+              <a:t>11/24/2023</a:t>
             </a:fld>
             <a:endParaRPr lang="en-US"/>
           </a:p>
@@ -929,7 +929,7 @@
           <p:cNvPr id="5" name="Footer Placeholder 4">
             <a:extLst>
               <a:ext uri="{FF2B5EF4-FFF2-40B4-BE49-F238E27FC236}">
-                <a16:creationId xmlns:a16="http://schemas.microsoft.com/office/drawing/2014/main" id="{E34D5CCC-00E8-48FA-91A6-921E7B6440EB}"/>
+                <a16:creationId xmlns:a16="http://schemas.microsoft.com/office/drawing/2014/main" xmlns="" id="{E34D5CCC-00E8-48FA-91A6-921E7B6440EB}"/>
               </a:ext>
             </a:extLst>
           </p:cNvPr>
@@ -954,7 +954,7 @@
           <p:cNvPr id="6" name="Slide Number Placeholder 5">
             <a:extLst>
               <a:ext uri="{FF2B5EF4-FFF2-40B4-BE49-F238E27FC236}">
-                <a16:creationId xmlns:a16="http://schemas.microsoft.com/office/drawing/2014/main" id="{CB7E1751-E7AA-406D-A977-1ACEF1FBD134}"/>
+                <a16:creationId xmlns:a16="http://schemas.microsoft.com/office/drawing/2014/main" xmlns="" id="{CB7E1751-E7AA-406D-A977-1ACEF1FBD134}"/>
               </a:ext>
             </a:extLst>
           </p:cNvPr>
@@ -1013,7 +1013,7 @@
           <p:cNvPr id="2" name="Title 1">
             <a:extLst>
               <a:ext uri="{FF2B5EF4-FFF2-40B4-BE49-F238E27FC236}">
-                <a16:creationId xmlns:a16="http://schemas.microsoft.com/office/drawing/2014/main" id="{E8D2DC87-4B97-4A7C-BC4C-6E7724561615}"/>
+                <a16:creationId xmlns:a16="http://schemas.microsoft.com/office/drawing/2014/main" xmlns="" id="{E8D2DC87-4B97-4A7C-BC4C-6E7724561615}"/>
               </a:ext>
             </a:extLst>
           </p:cNvPr>
@@ -1042,7 +1042,7 @@
           <p:cNvPr id="3" name="Content Placeholder 2">
             <a:extLst>
               <a:ext uri="{FF2B5EF4-FFF2-40B4-BE49-F238E27FC236}">
-                <a16:creationId xmlns:a16="http://schemas.microsoft.com/office/drawing/2014/main" id="{F4B59FD9-57FD-4ABA-9FCD-7954052534CF}"/>
+                <a16:creationId xmlns:a16="http://schemas.microsoft.com/office/drawing/2014/main" xmlns="" id="{F4B59FD9-57FD-4ABA-9FCD-7954052534CF}"/>
               </a:ext>
             </a:extLst>
           </p:cNvPr>
@@ -1099,7 +1099,7 @@
           <p:cNvPr id="4" name="Date Placeholder 3">
             <a:extLst>
               <a:ext uri="{FF2B5EF4-FFF2-40B4-BE49-F238E27FC236}">
-                <a16:creationId xmlns:a16="http://schemas.microsoft.com/office/drawing/2014/main" id="{E87BD40E-B0AA-47B8-900F-488A8AEC1BC2}"/>
+                <a16:creationId xmlns:a16="http://schemas.microsoft.com/office/drawing/2014/main" xmlns="" id="{E87BD40E-B0AA-47B8-900F-488A8AEC1BC2}"/>
               </a:ext>
             </a:extLst>
           </p:cNvPr>
@@ -1117,7 +1117,7 @@
           <a:p>
             <a:fld id="{C485584D-7D79-4248-9986-4CA35242F944}" type="datetimeFigureOut">
               <a:rPr lang="en-US" smtClean="0"/>
-              <a:t>11/24/23</a:t>
+              <a:t>11/24/2023</a:t>
             </a:fld>
             <a:endParaRPr lang="en-US"/>
           </a:p>
@@ -1128,7 +1128,7 @@
           <p:cNvPr id="5" name="Footer Placeholder 4">
             <a:extLst>
               <a:ext uri="{FF2B5EF4-FFF2-40B4-BE49-F238E27FC236}">
-                <a16:creationId xmlns:a16="http://schemas.microsoft.com/office/drawing/2014/main" id="{865E623C-1E35-4485-A5B4-A71969BE706F}"/>
+                <a16:creationId xmlns:a16="http://schemas.microsoft.com/office/drawing/2014/main" xmlns="" id="{865E623C-1E35-4485-A5B4-A71969BE706F}"/>
               </a:ext>
             </a:extLst>
           </p:cNvPr>
@@ -1153,7 +1153,7 @@
           <p:cNvPr id="6" name="Slide Number Placeholder 5">
             <a:extLst>
               <a:ext uri="{FF2B5EF4-FFF2-40B4-BE49-F238E27FC236}">
-                <a16:creationId xmlns:a16="http://schemas.microsoft.com/office/drawing/2014/main" id="{4B5C6BB9-EF4F-465E-985B-34521F68C583}"/>
+                <a16:creationId xmlns:a16="http://schemas.microsoft.com/office/drawing/2014/main" xmlns="" id="{4B5C6BB9-EF4F-465E-985B-34521F68C583}"/>
               </a:ext>
             </a:extLst>
           </p:cNvPr>
@@ -1212,7 +1212,7 @@
           <p:cNvPr id="4" name="Date Placeholder 3">
             <a:extLst>
               <a:ext uri="{FF2B5EF4-FFF2-40B4-BE49-F238E27FC236}">
-                <a16:creationId xmlns:a16="http://schemas.microsoft.com/office/drawing/2014/main" id="{587F5577-D71B-4279-B07A-62F703E5D1DC}"/>
+                <a16:creationId xmlns:a16="http://schemas.microsoft.com/office/drawing/2014/main" xmlns="" id="{587F5577-D71B-4279-B07A-62F703E5D1DC}"/>
               </a:ext>
             </a:extLst>
           </p:cNvPr>
@@ -1230,7 +1230,7 @@
           <a:p>
             <a:fld id="{C485584D-7D79-4248-9986-4CA35242F944}" type="datetimeFigureOut">
               <a:rPr lang="en-US" smtClean="0"/>
-              <a:t>11/24/23</a:t>
+              <a:t>11/24/2023</a:t>
             </a:fld>
             <a:endParaRPr lang="en-US"/>
           </a:p>
@@ -1241,7 +1241,7 @@
           <p:cNvPr id="5" name="Footer Placeholder 4">
             <a:extLst>
               <a:ext uri="{FF2B5EF4-FFF2-40B4-BE49-F238E27FC236}">
-                <a16:creationId xmlns:a16="http://schemas.microsoft.com/office/drawing/2014/main" id="{F648367D-C35C-4023-BEBE-F834D033B0CC}"/>
+                <a16:creationId xmlns:a16="http://schemas.microsoft.com/office/drawing/2014/main" xmlns="" id="{F648367D-C35C-4023-BEBE-F834D033B0CC}"/>
               </a:ext>
             </a:extLst>
           </p:cNvPr>
@@ -1266,7 +1266,7 @@
           <p:cNvPr id="6" name="Slide Number Placeholder 5">
             <a:extLst>
               <a:ext uri="{FF2B5EF4-FFF2-40B4-BE49-F238E27FC236}">
-                <a16:creationId xmlns:a16="http://schemas.microsoft.com/office/drawing/2014/main" id="{22BFCF8A-B8C6-496A-98A5-BBB52DB70F16}"/>
+                <a16:creationId xmlns:a16="http://schemas.microsoft.com/office/drawing/2014/main" xmlns="" id="{22BFCF8A-B8C6-496A-98A5-BBB52DB70F16}"/>
               </a:ext>
             </a:extLst>
           </p:cNvPr>
@@ -1295,10 +1295,10 @@
           <p:cNvPr id="11" name="Rectangle 5">
             <a:extLst>
               <a:ext uri="{FF2B5EF4-FFF2-40B4-BE49-F238E27FC236}">
-                <a16:creationId xmlns:a16="http://schemas.microsoft.com/office/drawing/2014/main" id="{CDE45C10-227D-42DF-A888-EEFD3784FA8E}"/>
+                <a16:creationId xmlns:a16="http://schemas.microsoft.com/office/drawing/2014/main" xmlns="" id="{CDE45C10-227D-42DF-A888-EEFD3784FA8E}"/>
               </a:ext>
               <a:ext uri="{C183D7F6-B498-43B3-948B-1728B52AA6E4}">
-                <adec:decorative xmlns:adec="http://schemas.microsoft.com/office/drawing/2017/decorative" val="1"/>
+                <adec:decorative xmlns:adec="http://schemas.microsoft.com/office/drawing/2017/decorative" xmlns="" val="1"/>
               </a:ext>
             </a:extLst>
           </p:cNvPr>
@@ -1433,10 +1433,10 @@
           <p:cNvPr id="7" name="Group 6">
             <a:extLst>
               <a:ext uri="{FF2B5EF4-FFF2-40B4-BE49-F238E27FC236}">
-                <a16:creationId xmlns:a16="http://schemas.microsoft.com/office/drawing/2014/main" id="{DA214944-8898-48BC-AE6F-065DA7BBB8E8}"/>
+                <a16:creationId xmlns:a16="http://schemas.microsoft.com/office/drawing/2014/main" xmlns="" id="{DA214944-8898-48BC-AE6F-065DA7BBB8E8}"/>
               </a:ext>
               <a:ext uri="{C183D7F6-B498-43B3-948B-1728B52AA6E4}">
-                <adec:decorative xmlns:adec="http://schemas.microsoft.com/office/drawing/2017/decorative" val="1"/>
+                <adec:decorative xmlns:adec="http://schemas.microsoft.com/office/drawing/2017/decorative" xmlns="" val="1"/>
               </a:ext>
             </a:extLst>
           </p:cNvPr>
@@ -1456,7 +1456,7 @@
             <p:cNvPr id="8" name="Rectangle 7">
               <a:extLst>
                 <a:ext uri="{FF2B5EF4-FFF2-40B4-BE49-F238E27FC236}">
-                  <a16:creationId xmlns:a16="http://schemas.microsoft.com/office/drawing/2014/main" id="{B94B3AAB-30C4-441D-B481-D253F8325953}"/>
+                  <a16:creationId xmlns:a16="http://schemas.microsoft.com/office/drawing/2014/main" xmlns="" id="{B94B3AAB-30C4-441D-B481-D253F8325953}"/>
                 </a:ext>
               </a:extLst>
             </p:cNvPr>
@@ -1519,7 +1519,7 @@
             <p:cNvPr id="9" name="Straight Connector 8">
               <a:extLst>
                 <a:ext uri="{FF2B5EF4-FFF2-40B4-BE49-F238E27FC236}">
-                  <a16:creationId xmlns:a16="http://schemas.microsoft.com/office/drawing/2014/main" id="{FDCB6176-5585-40BC-BC9C-CA625F989F1B}"/>
+                  <a16:creationId xmlns:a16="http://schemas.microsoft.com/office/drawing/2014/main" xmlns="" id="{FDCB6176-5585-40BC-BC9C-CA625F989F1B}"/>
                 </a:ext>
               </a:extLst>
             </p:cNvPr>
@@ -1560,7 +1560,7 @@
             <p:cNvPr id="10" name="Straight Connector 9">
               <a:extLst>
                 <a:ext uri="{FF2B5EF4-FFF2-40B4-BE49-F238E27FC236}">
-                  <a16:creationId xmlns:a16="http://schemas.microsoft.com/office/drawing/2014/main" id="{77C4F1D9-97D8-43DD-A319-C56367F97FCE}"/>
+                  <a16:creationId xmlns:a16="http://schemas.microsoft.com/office/drawing/2014/main" xmlns="" id="{77C4F1D9-97D8-43DD-A319-C56367F97FCE}"/>
                 </a:ext>
               </a:extLst>
             </p:cNvPr>
@@ -1602,7 +1602,7 @@
           <p:cNvPr id="2" name="Title 1">
             <a:extLst>
               <a:ext uri="{FF2B5EF4-FFF2-40B4-BE49-F238E27FC236}">
-                <a16:creationId xmlns:a16="http://schemas.microsoft.com/office/drawing/2014/main" id="{D25E64ED-B373-4866-B5A2-E805D3168BBB}"/>
+                <a16:creationId xmlns:a16="http://schemas.microsoft.com/office/drawing/2014/main" xmlns="" id="{D25E64ED-B373-4866-B5A2-E805D3168BBB}"/>
               </a:ext>
             </a:extLst>
           </p:cNvPr>
@@ -1641,7 +1641,7 @@
           <p:cNvPr id="3" name="Text Placeholder 2">
             <a:extLst>
               <a:ext uri="{FF2B5EF4-FFF2-40B4-BE49-F238E27FC236}">
-                <a16:creationId xmlns:a16="http://schemas.microsoft.com/office/drawing/2014/main" id="{AB6D6168-DDAE-41B2-A0D5-42185A2D028C}"/>
+                <a16:creationId xmlns:a16="http://schemas.microsoft.com/office/drawing/2014/main" xmlns="" id="{AB6D6168-DDAE-41B2-A0D5-42185A2D028C}"/>
               </a:ext>
             </a:extLst>
           </p:cNvPr>
@@ -1796,7 +1796,7 @@
           <p:cNvPr id="2" name="Title 1">
             <a:extLst>
               <a:ext uri="{FF2B5EF4-FFF2-40B4-BE49-F238E27FC236}">
-                <a16:creationId xmlns:a16="http://schemas.microsoft.com/office/drawing/2014/main" id="{725825EB-71EE-41B3-89D2-47A0C7C3598E}"/>
+                <a16:creationId xmlns:a16="http://schemas.microsoft.com/office/drawing/2014/main" xmlns="" id="{725825EB-71EE-41B3-89D2-47A0C7C3598E}"/>
               </a:ext>
             </a:extLst>
           </p:cNvPr>
@@ -1824,7 +1824,7 @@
           <p:cNvPr id="3" name="Content Placeholder 2">
             <a:extLst>
               <a:ext uri="{FF2B5EF4-FFF2-40B4-BE49-F238E27FC236}">
-                <a16:creationId xmlns:a16="http://schemas.microsoft.com/office/drawing/2014/main" id="{DE662F7D-C4AD-4BD4-AAC8-F0223EE4A38B}"/>
+                <a16:creationId xmlns:a16="http://schemas.microsoft.com/office/drawing/2014/main" xmlns="" id="{DE662F7D-C4AD-4BD4-AAC8-F0223EE4A38B}"/>
               </a:ext>
             </a:extLst>
           </p:cNvPr>
@@ -1886,7 +1886,7 @@
           <p:cNvPr id="4" name="Content Placeholder 3">
             <a:extLst>
               <a:ext uri="{FF2B5EF4-FFF2-40B4-BE49-F238E27FC236}">
-                <a16:creationId xmlns:a16="http://schemas.microsoft.com/office/drawing/2014/main" id="{9D0FB088-28C6-4667-8DF2-0DE32AE3EC30}"/>
+                <a16:creationId xmlns:a16="http://schemas.microsoft.com/office/drawing/2014/main" xmlns="" id="{9D0FB088-28C6-4667-8DF2-0DE32AE3EC30}"/>
               </a:ext>
             </a:extLst>
           </p:cNvPr>
@@ -1948,7 +1948,7 @@
           <p:cNvPr id="5" name="Date Placeholder 4">
             <a:extLst>
               <a:ext uri="{FF2B5EF4-FFF2-40B4-BE49-F238E27FC236}">
-                <a16:creationId xmlns:a16="http://schemas.microsoft.com/office/drawing/2014/main" id="{BF36095F-AE34-4E94-B722-E3A1205AEEDC}"/>
+                <a16:creationId xmlns:a16="http://schemas.microsoft.com/office/drawing/2014/main" xmlns="" id="{BF36095F-AE34-4E94-B722-E3A1205AEEDC}"/>
               </a:ext>
             </a:extLst>
           </p:cNvPr>
@@ -1966,7 +1966,7 @@
           <a:p>
             <a:fld id="{C485584D-7D79-4248-9986-4CA35242F944}" type="datetimeFigureOut">
               <a:rPr lang="en-US" smtClean="0"/>
-              <a:t>11/24/23</a:t>
+              <a:t>11/24/2023</a:t>
             </a:fld>
             <a:endParaRPr lang="en-US"/>
           </a:p>
@@ -1977,7 +1977,7 @@
           <p:cNvPr id="6" name="Footer Placeholder 5">
             <a:extLst>
               <a:ext uri="{FF2B5EF4-FFF2-40B4-BE49-F238E27FC236}">
-                <a16:creationId xmlns:a16="http://schemas.microsoft.com/office/drawing/2014/main" id="{6E06A8E6-BD94-48EA-8F35-DA0DF910AC25}"/>
+                <a16:creationId xmlns:a16="http://schemas.microsoft.com/office/drawing/2014/main" xmlns="" id="{6E06A8E6-BD94-48EA-8F35-DA0DF910AC25}"/>
               </a:ext>
             </a:extLst>
           </p:cNvPr>
@@ -2002,7 +2002,7 @@
           <p:cNvPr id="7" name="Slide Number Placeholder 6">
             <a:extLst>
               <a:ext uri="{FF2B5EF4-FFF2-40B4-BE49-F238E27FC236}">
-                <a16:creationId xmlns:a16="http://schemas.microsoft.com/office/drawing/2014/main" id="{50478AEF-56B8-49F5-81E8-663B1FFA073B}"/>
+                <a16:creationId xmlns:a16="http://schemas.microsoft.com/office/drawing/2014/main" xmlns="" id="{50478AEF-56B8-49F5-81E8-663B1FFA073B}"/>
               </a:ext>
             </a:extLst>
           </p:cNvPr>
@@ -2061,7 +2061,7 @@
           <p:cNvPr id="2" name="Title 1">
             <a:extLst>
               <a:ext uri="{FF2B5EF4-FFF2-40B4-BE49-F238E27FC236}">
-                <a16:creationId xmlns:a16="http://schemas.microsoft.com/office/drawing/2014/main" id="{EFCF873F-001F-4254-97F3-05329E6A7B67}"/>
+                <a16:creationId xmlns:a16="http://schemas.microsoft.com/office/drawing/2014/main" xmlns="" id="{EFCF873F-001F-4254-97F3-05329E6A7B67}"/>
               </a:ext>
             </a:extLst>
           </p:cNvPr>
@@ -2094,7 +2094,7 @@
           <p:cNvPr id="3" name="Text Placeholder 2">
             <a:extLst>
               <a:ext uri="{FF2B5EF4-FFF2-40B4-BE49-F238E27FC236}">
-                <a16:creationId xmlns:a16="http://schemas.microsoft.com/office/drawing/2014/main" id="{4A37B575-060F-4296-A28A-93DA109F96F5}"/>
+                <a16:creationId xmlns:a16="http://schemas.microsoft.com/office/drawing/2014/main" xmlns="" id="{4A37B575-060F-4296-A28A-93DA109F96F5}"/>
               </a:ext>
             </a:extLst>
           </p:cNvPr>
@@ -2167,7 +2167,7 @@
           <p:cNvPr id="4" name="Content Placeholder 3">
             <a:extLst>
               <a:ext uri="{FF2B5EF4-FFF2-40B4-BE49-F238E27FC236}">
-                <a16:creationId xmlns:a16="http://schemas.microsoft.com/office/drawing/2014/main" id="{BA581A51-F4D1-4A02-9918-C416F820B646}"/>
+                <a16:creationId xmlns:a16="http://schemas.microsoft.com/office/drawing/2014/main" xmlns="" id="{BA581A51-F4D1-4A02-9918-C416F820B646}"/>
               </a:ext>
             </a:extLst>
           </p:cNvPr>
@@ -2229,7 +2229,7 @@
           <p:cNvPr id="5" name="Text Placeholder 4">
             <a:extLst>
               <a:ext uri="{FF2B5EF4-FFF2-40B4-BE49-F238E27FC236}">
-                <a16:creationId xmlns:a16="http://schemas.microsoft.com/office/drawing/2014/main" id="{D32916D0-3DFE-455D-9888-3FDEFD3DE0CD}"/>
+                <a16:creationId xmlns:a16="http://schemas.microsoft.com/office/drawing/2014/main" xmlns="" id="{D32916D0-3DFE-455D-9888-3FDEFD3DE0CD}"/>
               </a:ext>
             </a:extLst>
           </p:cNvPr>
@@ -2302,7 +2302,7 @@
           <p:cNvPr id="6" name="Content Placeholder 5">
             <a:extLst>
               <a:ext uri="{FF2B5EF4-FFF2-40B4-BE49-F238E27FC236}">
-                <a16:creationId xmlns:a16="http://schemas.microsoft.com/office/drawing/2014/main" id="{F093D763-0643-4A48-8007-93391C59F6D5}"/>
+                <a16:creationId xmlns:a16="http://schemas.microsoft.com/office/drawing/2014/main" xmlns="" id="{F093D763-0643-4A48-8007-93391C59F6D5}"/>
               </a:ext>
             </a:extLst>
           </p:cNvPr>
@@ -2364,7 +2364,7 @@
           <p:cNvPr id="7" name="Date Placeholder 6">
             <a:extLst>
               <a:ext uri="{FF2B5EF4-FFF2-40B4-BE49-F238E27FC236}">
-                <a16:creationId xmlns:a16="http://schemas.microsoft.com/office/drawing/2014/main" id="{69A2D07B-3A5D-41C2-83B8-BD1AD6522CAD}"/>
+                <a16:creationId xmlns:a16="http://schemas.microsoft.com/office/drawing/2014/main" xmlns="" id="{69A2D07B-3A5D-41C2-83B8-BD1AD6522CAD}"/>
               </a:ext>
             </a:extLst>
           </p:cNvPr>
@@ -2382,7 +2382,7 @@
           <a:p>
             <a:fld id="{C485584D-7D79-4248-9986-4CA35242F944}" type="datetimeFigureOut">
               <a:rPr lang="en-US" smtClean="0"/>
-              <a:t>11/24/23</a:t>
+              <a:t>11/24/2023</a:t>
             </a:fld>
             <a:endParaRPr lang="en-US"/>
           </a:p>
@@ -2393,7 +2393,7 @@
           <p:cNvPr id="8" name="Footer Placeholder 7">
             <a:extLst>
               <a:ext uri="{FF2B5EF4-FFF2-40B4-BE49-F238E27FC236}">
-                <a16:creationId xmlns:a16="http://schemas.microsoft.com/office/drawing/2014/main" id="{0E2C1367-FE5A-4CDD-B85B-724FFFE5B58F}"/>
+                <a16:creationId xmlns:a16="http://schemas.microsoft.com/office/drawing/2014/main" xmlns="" id="{0E2C1367-FE5A-4CDD-B85B-724FFFE5B58F}"/>
               </a:ext>
             </a:extLst>
           </p:cNvPr>
@@ -2418,7 +2418,7 @@
           <p:cNvPr id="9" name="Slide Number Placeholder 8">
             <a:extLst>
               <a:ext uri="{FF2B5EF4-FFF2-40B4-BE49-F238E27FC236}">
-                <a16:creationId xmlns:a16="http://schemas.microsoft.com/office/drawing/2014/main" id="{9992F244-23EB-4E1A-B74F-77F23F87978D}"/>
+                <a16:creationId xmlns:a16="http://schemas.microsoft.com/office/drawing/2014/main" xmlns="" id="{9992F244-23EB-4E1A-B74F-77F23F87978D}"/>
               </a:ext>
             </a:extLst>
           </p:cNvPr>
@@ -2477,7 +2477,7 @@
           <p:cNvPr id="2" name="Title 1">
             <a:extLst>
               <a:ext uri="{FF2B5EF4-FFF2-40B4-BE49-F238E27FC236}">
-                <a16:creationId xmlns:a16="http://schemas.microsoft.com/office/drawing/2014/main" id="{FB876C0A-BEF4-4DE4-A9D2-C60298FC7F99}"/>
+                <a16:creationId xmlns:a16="http://schemas.microsoft.com/office/drawing/2014/main" xmlns="" id="{FB876C0A-BEF4-4DE4-A9D2-C60298FC7F99}"/>
               </a:ext>
             </a:extLst>
           </p:cNvPr>
@@ -2505,7 +2505,7 @@
           <p:cNvPr id="3" name="Date Placeholder 2">
             <a:extLst>
               <a:ext uri="{FF2B5EF4-FFF2-40B4-BE49-F238E27FC236}">
-                <a16:creationId xmlns:a16="http://schemas.microsoft.com/office/drawing/2014/main" id="{1367C0AC-3C98-4D68-AE72-CFFA1638CC02}"/>
+                <a16:creationId xmlns:a16="http://schemas.microsoft.com/office/drawing/2014/main" xmlns="" id="{1367C0AC-3C98-4D68-AE72-CFFA1638CC02}"/>
               </a:ext>
             </a:extLst>
           </p:cNvPr>
@@ -2523,7 +2523,7 @@
           <a:p>
             <a:fld id="{C485584D-7D79-4248-9986-4CA35242F944}" type="datetimeFigureOut">
               <a:rPr lang="en-US" smtClean="0"/>
-              <a:t>11/24/23</a:t>
+              <a:t>11/24/2023</a:t>
             </a:fld>
             <a:endParaRPr lang="en-US"/>
           </a:p>
@@ -2534,7 +2534,7 @@
           <p:cNvPr id="4" name="Footer Placeholder 3">
             <a:extLst>
               <a:ext uri="{FF2B5EF4-FFF2-40B4-BE49-F238E27FC236}">
-                <a16:creationId xmlns:a16="http://schemas.microsoft.com/office/drawing/2014/main" id="{FEA7722A-E2E4-45D2-8A20-4853ED6837B1}"/>
+                <a16:creationId xmlns:a16="http://schemas.microsoft.com/office/drawing/2014/main" xmlns="" id="{FEA7722A-E2E4-45D2-8A20-4853ED6837B1}"/>
               </a:ext>
             </a:extLst>
           </p:cNvPr>
@@ -2559,7 +2559,7 @@
           <p:cNvPr id="5" name="Slide Number Placeholder 4">
             <a:extLst>
               <a:ext uri="{FF2B5EF4-FFF2-40B4-BE49-F238E27FC236}">
-                <a16:creationId xmlns:a16="http://schemas.microsoft.com/office/drawing/2014/main" id="{146B9201-B20B-4412-B745-F2F6A91487E8}"/>
+                <a16:creationId xmlns:a16="http://schemas.microsoft.com/office/drawing/2014/main" xmlns="" id="{146B9201-B20B-4412-B745-F2F6A91487E8}"/>
               </a:ext>
             </a:extLst>
           </p:cNvPr>
@@ -2618,7 +2618,7 @@
           <p:cNvPr id="2" name="Date Placeholder 1">
             <a:extLst>
               <a:ext uri="{FF2B5EF4-FFF2-40B4-BE49-F238E27FC236}">
-                <a16:creationId xmlns:a16="http://schemas.microsoft.com/office/drawing/2014/main" id="{CBC4889A-9ABE-4409-BAD8-F84C36C1FA09}"/>
+                <a16:creationId xmlns:a16="http://schemas.microsoft.com/office/drawing/2014/main" xmlns="" id="{CBC4889A-9ABE-4409-BAD8-F84C36C1FA09}"/>
               </a:ext>
             </a:extLst>
           </p:cNvPr>
@@ -2636,7 +2636,7 @@
           <a:p>
             <a:fld id="{C485584D-7D79-4248-9986-4CA35242F944}" type="datetimeFigureOut">
               <a:rPr lang="en-US" smtClean="0"/>
-              <a:t>11/24/23</a:t>
+              <a:t>11/24/2023</a:t>
             </a:fld>
             <a:endParaRPr lang="en-US"/>
           </a:p>
@@ -2647,7 +2647,7 @@
           <p:cNvPr id="3" name="Footer Placeholder 2">
             <a:extLst>
               <a:ext uri="{FF2B5EF4-FFF2-40B4-BE49-F238E27FC236}">
-                <a16:creationId xmlns:a16="http://schemas.microsoft.com/office/drawing/2014/main" id="{7DDA5A70-FE21-4CB6-A67B-1DC798E9E3B1}"/>
+                <a16:creationId xmlns:a16="http://schemas.microsoft.com/office/drawing/2014/main" xmlns="" id="{7DDA5A70-FE21-4CB6-A67B-1DC798E9E3B1}"/>
               </a:ext>
             </a:extLst>
           </p:cNvPr>
@@ -2672,7 +2672,7 @@
           <p:cNvPr id="4" name="Slide Number Placeholder 3">
             <a:extLst>
               <a:ext uri="{FF2B5EF4-FFF2-40B4-BE49-F238E27FC236}">
-                <a16:creationId xmlns:a16="http://schemas.microsoft.com/office/drawing/2014/main" id="{B984AD11-7FD2-432C-A6AB-395BE9275C1B}"/>
+                <a16:creationId xmlns:a16="http://schemas.microsoft.com/office/drawing/2014/main" xmlns="" id="{B984AD11-7FD2-432C-A6AB-395BE9275C1B}"/>
               </a:ext>
             </a:extLst>
           </p:cNvPr>
@@ -2731,7 +2731,7 @@
           <p:cNvPr id="2" name="Title 1">
             <a:extLst>
               <a:ext uri="{FF2B5EF4-FFF2-40B4-BE49-F238E27FC236}">
-                <a16:creationId xmlns:a16="http://schemas.microsoft.com/office/drawing/2014/main" id="{EFF397CF-9CDD-4E78-8F35-A2FFE7867419}"/>
+                <a16:creationId xmlns:a16="http://schemas.microsoft.com/office/drawing/2014/main" xmlns="" id="{EFF397CF-9CDD-4E78-8F35-A2FFE7867419}"/>
               </a:ext>
             </a:extLst>
           </p:cNvPr>
@@ -2769,7 +2769,7 @@
           <p:cNvPr id="3" name="Content Placeholder 2">
             <a:extLst>
               <a:ext uri="{FF2B5EF4-FFF2-40B4-BE49-F238E27FC236}">
-                <a16:creationId xmlns:a16="http://schemas.microsoft.com/office/drawing/2014/main" id="{87194BFE-7A85-4123-B0F7-4DB1C141CE60}"/>
+                <a16:creationId xmlns:a16="http://schemas.microsoft.com/office/drawing/2014/main" xmlns="" id="{87194BFE-7A85-4123-B0F7-4DB1C141CE60}"/>
               </a:ext>
             </a:extLst>
           </p:cNvPr>
@@ -2860,7 +2860,7 @@
           <p:cNvPr id="4" name="Text Placeholder 3">
             <a:extLst>
               <a:ext uri="{FF2B5EF4-FFF2-40B4-BE49-F238E27FC236}">
-                <a16:creationId xmlns:a16="http://schemas.microsoft.com/office/drawing/2014/main" id="{641EFD6D-1929-4A73-A860-22A36FF5C17D}"/>
+                <a16:creationId xmlns:a16="http://schemas.microsoft.com/office/drawing/2014/main" xmlns="" id="{641EFD6D-1929-4A73-A860-22A36FF5C17D}"/>
               </a:ext>
             </a:extLst>
           </p:cNvPr>
@@ -2931,7 +2931,7 @@
           <p:cNvPr id="5" name="Date Placeholder 4">
             <a:extLst>
               <a:ext uri="{FF2B5EF4-FFF2-40B4-BE49-F238E27FC236}">
-                <a16:creationId xmlns:a16="http://schemas.microsoft.com/office/drawing/2014/main" id="{A9B399A5-94A1-4452-AFF0-918BDA8B14F9}"/>
+                <a16:creationId xmlns:a16="http://schemas.microsoft.com/office/drawing/2014/main" xmlns="" id="{A9B399A5-94A1-4452-AFF0-918BDA8B14F9}"/>
               </a:ext>
             </a:extLst>
           </p:cNvPr>
@@ -2949,7 +2949,7 @@
           <a:p>
             <a:fld id="{C485584D-7D79-4248-9986-4CA35242F944}" type="datetimeFigureOut">
               <a:rPr lang="en-US" smtClean="0"/>
-              <a:t>11/24/23</a:t>
+              <a:t>11/24/2023</a:t>
             </a:fld>
             <a:endParaRPr lang="en-US"/>
           </a:p>
@@ -2960,7 +2960,7 @@
           <p:cNvPr id="6" name="Footer Placeholder 5">
             <a:extLst>
               <a:ext uri="{FF2B5EF4-FFF2-40B4-BE49-F238E27FC236}">
-                <a16:creationId xmlns:a16="http://schemas.microsoft.com/office/drawing/2014/main" id="{489589D8-DD83-406C-A77A-176D23993BA8}"/>
+                <a16:creationId xmlns:a16="http://schemas.microsoft.com/office/drawing/2014/main" xmlns="" id="{489589D8-DD83-406C-A77A-176D23993BA8}"/>
               </a:ext>
             </a:extLst>
           </p:cNvPr>
@@ -2985,7 +2985,7 @@
           <p:cNvPr id="7" name="Slide Number Placeholder 6">
             <a:extLst>
               <a:ext uri="{FF2B5EF4-FFF2-40B4-BE49-F238E27FC236}">
-                <a16:creationId xmlns:a16="http://schemas.microsoft.com/office/drawing/2014/main" id="{6DE46024-82ED-40EF-8846-F6CC44BC53DE}"/>
+                <a16:creationId xmlns:a16="http://schemas.microsoft.com/office/drawing/2014/main" xmlns="" id="{6DE46024-82ED-40EF-8846-F6CC44BC53DE}"/>
               </a:ext>
             </a:extLst>
           </p:cNvPr>
@@ -3044,7 +3044,7 @@
           <p:cNvPr id="2" name="Title 1">
             <a:extLst>
               <a:ext uri="{FF2B5EF4-FFF2-40B4-BE49-F238E27FC236}">
-                <a16:creationId xmlns:a16="http://schemas.microsoft.com/office/drawing/2014/main" id="{70BD12FA-83A4-42AF-98D7-312C4C5A7128}"/>
+                <a16:creationId xmlns:a16="http://schemas.microsoft.com/office/drawing/2014/main" xmlns="" id="{70BD12FA-83A4-42AF-98D7-312C4C5A7128}"/>
               </a:ext>
             </a:extLst>
           </p:cNvPr>
@@ -3082,7 +3082,7 @@
           <p:cNvPr id="3" name="Picture Placeholder 2">
             <a:extLst>
               <a:ext uri="{FF2B5EF4-FFF2-40B4-BE49-F238E27FC236}">
-                <a16:creationId xmlns:a16="http://schemas.microsoft.com/office/drawing/2014/main" id="{46CF1DC8-2932-4C6E-BFBB-8BA1C9598425}"/>
+                <a16:creationId xmlns:a16="http://schemas.microsoft.com/office/drawing/2014/main" xmlns="" id="{46CF1DC8-2932-4C6E-BFBB-8BA1C9598425}"/>
               </a:ext>
             </a:extLst>
           </p:cNvPr>
@@ -3152,7 +3152,7 @@
           <p:cNvPr id="4" name="Text Placeholder 3">
             <a:extLst>
               <a:ext uri="{FF2B5EF4-FFF2-40B4-BE49-F238E27FC236}">
-                <a16:creationId xmlns:a16="http://schemas.microsoft.com/office/drawing/2014/main" id="{8D6E0000-EF01-46A5-8A71-25FB7EA3F94A}"/>
+                <a16:creationId xmlns:a16="http://schemas.microsoft.com/office/drawing/2014/main" xmlns="" id="{8D6E0000-EF01-46A5-8A71-25FB7EA3F94A}"/>
               </a:ext>
             </a:extLst>
           </p:cNvPr>
@@ -3223,7 +3223,7 @@
           <p:cNvPr id="5" name="Date Placeholder 4">
             <a:extLst>
               <a:ext uri="{FF2B5EF4-FFF2-40B4-BE49-F238E27FC236}">
-                <a16:creationId xmlns:a16="http://schemas.microsoft.com/office/drawing/2014/main" id="{401AD40B-9246-4532-9F73-5BA9061C3ABA}"/>
+                <a16:creationId xmlns:a16="http://schemas.microsoft.com/office/drawing/2014/main" xmlns="" id="{401AD40B-9246-4532-9F73-5BA9061C3ABA}"/>
               </a:ext>
             </a:extLst>
           </p:cNvPr>
@@ -3241,7 +3241,7 @@
           <a:p>
             <a:fld id="{C485584D-7D79-4248-9986-4CA35242F944}" type="datetimeFigureOut">
               <a:rPr lang="en-US" smtClean="0"/>
-              <a:t>11/24/23</a:t>
+              <a:t>11/24/2023</a:t>
             </a:fld>
             <a:endParaRPr lang="en-US"/>
           </a:p>
@@ -3252,7 +3252,7 @@
           <p:cNvPr id="6" name="Footer Placeholder 5">
             <a:extLst>
               <a:ext uri="{FF2B5EF4-FFF2-40B4-BE49-F238E27FC236}">
-                <a16:creationId xmlns:a16="http://schemas.microsoft.com/office/drawing/2014/main" id="{8BE6B9A0-5B1C-4F7B-828A-EF74E51478BD}"/>
+                <a16:creationId xmlns:a16="http://schemas.microsoft.com/office/drawing/2014/main" xmlns="" id="{8BE6B9A0-5B1C-4F7B-828A-EF74E51478BD}"/>
               </a:ext>
             </a:extLst>
           </p:cNvPr>
@@ -3277,7 +3277,7 @@
           <p:cNvPr id="7" name="Slide Number Placeholder 6">
             <a:extLst>
               <a:ext uri="{FF2B5EF4-FFF2-40B4-BE49-F238E27FC236}">
-                <a16:creationId xmlns:a16="http://schemas.microsoft.com/office/drawing/2014/main" id="{A82E99FB-C932-4165-A612-8B302D8F7229}"/>
+                <a16:creationId xmlns:a16="http://schemas.microsoft.com/office/drawing/2014/main" xmlns="" id="{A82E99FB-C932-4165-A612-8B302D8F7229}"/>
               </a:ext>
             </a:extLst>
           </p:cNvPr>
@@ -3341,7 +3341,7 @@
           <p:cNvPr id="2" name="Title Placeholder 1">
             <a:extLst>
               <a:ext uri="{FF2B5EF4-FFF2-40B4-BE49-F238E27FC236}">
-                <a16:creationId xmlns:a16="http://schemas.microsoft.com/office/drawing/2014/main" id="{16CE7638-D991-46E7-BF2C-67D1AC829628}"/>
+                <a16:creationId xmlns:a16="http://schemas.microsoft.com/office/drawing/2014/main" xmlns="" id="{16CE7638-D991-46E7-BF2C-67D1AC829628}"/>
               </a:ext>
             </a:extLst>
           </p:cNvPr>
@@ -3379,7 +3379,7 @@
           <p:cNvPr id="3" name="Text Placeholder 2">
             <a:extLst>
               <a:ext uri="{FF2B5EF4-FFF2-40B4-BE49-F238E27FC236}">
-                <a16:creationId xmlns:a16="http://schemas.microsoft.com/office/drawing/2014/main" id="{CA7C6B9C-4923-4DAB-9748-D5CD289EB978}"/>
+                <a16:creationId xmlns:a16="http://schemas.microsoft.com/office/drawing/2014/main" xmlns="" id="{CA7C6B9C-4923-4DAB-9748-D5CD289EB978}"/>
               </a:ext>
             </a:extLst>
           </p:cNvPr>
@@ -3446,7 +3446,7 @@
           <p:cNvPr id="6" name="Slide Number Placeholder 5">
             <a:extLst>
               <a:ext uri="{FF2B5EF4-FFF2-40B4-BE49-F238E27FC236}">
-                <a16:creationId xmlns:a16="http://schemas.microsoft.com/office/drawing/2014/main" id="{E7578CF6-4B33-40E4-B881-5F4C568378E1}"/>
+                <a16:creationId xmlns:a16="http://schemas.microsoft.com/office/drawing/2014/main" xmlns="" id="{E7578CF6-4B33-40E4-B881-5F4C568378E1}"/>
               </a:ext>
             </a:extLst>
           </p:cNvPr>
@@ -3491,7 +3491,7 @@
           <p:cNvPr id="4" name="Date Placeholder 3">
             <a:extLst>
               <a:ext uri="{FF2B5EF4-FFF2-40B4-BE49-F238E27FC236}">
-                <a16:creationId xmlns:a16="http://schemas.microsoft.com/office/drawing/2014/main" id="{25AE857E-F564-4539-9984-10435B6140AC}"/>
+                <a16:creationId xmlns:a16="http://schemas.microsoft.com/office/drawing/2014/main" xmlns="" id="{25AE857E-F564-4539-9984-10435B6140AC}"/>
               </a:ext>
             </a:extLst>
           </p:cNvPr>
@@ -3525,7 +3525,7 @@
           <a:p>
             <a:fld id="{C485584D-7D79-4248-9986-4CA35242F944}" type="datetimeFigureOut">
               <a:rPr lang="en-US" smtClean="0"/>
-              <a:t>11/24/23</a:t>
+              <a:t>11/24/2023</a:t>
             </a:fld>
             <a:endParaRPr lang="en-US"/>
           </a:p>
@@ -3536,7 +3536,7 @@
           <p:cNvPr id="5" name="Footer Placeholder 4">
             <a:extLst>
               <a:ext uri="{FF2B5EF4-FFF2-40B4-BE49-F238E27FC236}">
-                <a16:creationId xmlns:a16="http://schemas.microsoft.com/office/drawing/2014/main" id="{7D1EABEF-B998-4B11-A878-8F492F8E3983}"/>
+                <a16:creationId xmlns:a16="http://schemas.microsoft.com/office/drawing/2014/main" xmlns="" id="{7D1EABEF-B998-4B11-A878-8F492F8E3983}"/>
               </a:ext>
             </a:extLst>
           </p:cNvPr>
@@ -3577,7 +3577,7 @@
           <p:cNvPr id="16" name="Freeform: Shape 15">
             <a:extLst>
               <a:ext uri="{FF2B5EF4-FFF2-40B4-BE49-F238E27FC236}">
-                <a16:creationId xmlns:a16="http://schemas.microsoft.com/office/drawing/2014/main" id="{9EB54D17-3792-403D-9127-495845021D2B}"/>
+                <a16:creationId xmlns:a16="http://schemas.microsoft.com/office/drawing/2014/main" xmlns="" id="{9EB54D17-3792-403D-9127-495845021D2B}"/>
               </a:ext>
             </a:extLst>
           </p:cNvPr>
@@ -4038,10 +4038,10 @@
           <p:cNvPr id="17" name="Rectangle 8">
             <a:extLst>
               <a:ext uri="{FF2B5EF4-FFF2-40B4-BE49-F238E27FC236}">
-                <a16:creationId xmlns:a16="http://schemas.microsoft.com/office/drawing/2014/main" id="{DD8EACB7-D372-470B-B76E-A829D00310CD}"/>
+                <a16:creationId xmlns:a16="http://schemas.microsoft.com/office/drawing/2014/main" xmlns="" id="{DD8EACB7-D372-470B-B76E-A829D00310CD}"/>
               </a:ext>
               <a:ext uri="{C183D7F6-B498-43B3-948B-1728B52AA6E4}">
-                <adec:decorative xmlns:adec="http://schemas.microsoft.com/office/drawing/2017/decorative" val="1"/>
+                <adec:decorative xmlns:adec="http://schemas.microsoft.com/office/drawing/2017/decorative" xmlns="" val="1"/>
               </a:ext>
             </a:extLst>
           </p:cNvPr>
@@ -4051,7 +4051,7 @@
           <p:nvPr>
             <p:extLst>
               <p:ext uri="{386F3935-93C4-4BCD-93E2-E3B085C9AB24}">
-                <p16:designElem xmlns:p16="http://schemas.microsoft.com/office/powerpoint/2015/main" val="1"/>
+                <p16:designElem xmlns:p16="http://schemas.microsoft.com/office/powerpoint/2015/main" xmlns="" val="1"/>
               </p:ext>
             </p:extLst>
           </p:nvPr>
@@ -4114,7 +4114,7 @@
           <p:cNvPr id="18" name="Picture 3" descr="A blue abstract watercolor pattern on a white background">
             <a:extLst>
               <a:ext uri="{FF2B5EF4-FFF2-40B4-BE49-F238E27FC236}">
-                <a16:creationId xmlns:a16="http://schemas.microsoft.com/office/drawing/2014/main" id="{E070731E-EBD1-ADE7-517B-33DC09A0A4B3}"/>
+                <a16:creationId xmlns:a16="http://schemas.microsoft.com/office/drawing/2014/main" xmlns="" id="{E070731E-EBD1-ADE7-517B-33DC09A0A4B3}"/>
               </a:ext>
             </a:extLst>
           </p:cNvPr>
@@ -4143,10 +4143,10 @@
           <p:cNvPr id="19" name="Rectangle 5">
             <a:extLst>
               <a:ext uri="{FF2B5EF4-FFF2-40B4-BE49-F238E27FC236}">
-                <a16:creationId xmlns:a16="http://schemas.microsoft.com/office/drawing/2014/main" id="{FBE11A49-02A1-4D4C-9A49-CDF496B1094F}"/>
+                <a16:creationId xmlns:a16="http://schemas.microsoft.com/office/drawing/2014/main" xmlns="" id="{FBE11A49-02A1-4D4C-9A49-CDF496B1094F}"/>
               </a:ext>
               <a:ext uri="{C183D7F6-B498-43B3-948B-1728B52AA6E4}">
-                <adec:decorative xmlns:adec="http://schemas.microsoft.com/office/drawing/2017/decorative" val="1"/>
+                <adec:decorative xmlns:adec="http://schemas.microsoft.com/office/drawing/2017/decorative" xmlns="" val="1"/>
               </a:ext>
             </a:extLst>
           </p:cNvPr>
@@ -4156,7 +4156,7 @@
           <p:nvPr>
             <p:extLst>
               <p:ext uri="{386F3935-93C4-4BCD-93E2-E3B085C9AB24}">
-                <p16:designElem xmlns:p16="http://schemas.microsoft.com/office/powerpoint/2015/main" val="1"/>
+                <p16:designElem xmlns:p16="http://schemas.microsoft.com/office/powerpoint/2015/main" xmlns="" val="1"/>
               </p:ext>
             </p:extLst>
           </p:nvPr>
@@ -4289,7 +4289,7 @@
           <p:cNvPr id="2" name="Title 1">
             <a:extLst>
               <a:ext uri="{FF2B5EF4-FFF2-40B4-BE49-F238E27FC236}">
-                <a16:creationId xmlns:a16="http://schemas.microsoft.com/office/drawing/2014/main" id="{DC949E78-0EC1-0695-AA0A-FBB3C4D4A51E}"/>
+                <a16:creationId xmlns:a16="http://schemas.microsoft.com/office/drawing/2014/main" xmlns="" id="{DC949E78-0EC1-0695-AA0A-FBB3C4D4A51E}"/>
               </a:ext>
             </a:extLst>
           </p:cNvPr>
@@ -4328,7 +4328,7 @@
           <p:cNvPr id="3" name="Subtitle 2">
             <a:extLst>
               <a:ext uri="{FF2B5EF4-FFF2-40B4-BE49-F238E27FC236}">
-                <a16:creationId xmlns:a16="http://schemas.microsoft.com/office/drawing/2014/main" id="{5DF50B34-7F53-0159-29A9-7A7B2D0BB12D}"/>
+                <a16:creationId xmlns:a16="http://schemas.microsoft.com/office/drawing/2014/main" xmlns="" id="{5DF50B34-7F53-0159-29A9-7A7B2D0BB12D}"/>
               </a:ext>
             </a:extLst>
           </p:cNvPr>
@@ -4396,10 +4396,10 @@
           <p:cNvPr id="20" name="Group 12">
             <a:extLst>
               <a:ext uri="{FF2B5EF4-FFF2-40B4-BE49-F238E27FC236}">
-                <a16:creationId xmlns:a16="http://schemas.microsoft.com/office/drawing/2014/main" id="{F1732D3A-CFF0-45BE-AD79-F83D0272C6C6}"/>
+                <a16:creationId xmlns:a16="http://schemas.microsoft.com/office/drawing/2014/main" xmlns="" id="{F1732D3A-CFF0-45BE-AD79-F83D0272C6C6}"/>
               </a:ext>
               <a:ext uri="{C183D7F6-B498-43B3-948B-1728B52AA6E4}">
-                <adec:decorative xmlns:adec="http://schemas.microsoft.com/office/drawing/2017/decorative" val="1"/>
+                <adec:decorative xmlns:adec="http://schemas.microsoft.com/office/drawing/2017/decorative" xmlns="" val="1"/>
               </a:ext>
             </a:extLst>
           </p:cNvPr>
@@ -4409,7 +4409,7 @@
           <p:nvPr>
             <p:extLst>
               <p:ext uri="{386F3935-93C4-4BCD-93E2-E3B085C9AB24}">
-                <p16:designElem xmlns:p16="http://schemas.microsoft.com/office/powerpoint/2015/main" val="1"/>
+                <p16:designElem xmlns:p16="http://schemas.microsoft.com/office/powerpoint/2015/main" xmlns="" val="1"/>
               </p:ext>
             </p:extLst>
           </p:nvPr>
@@ -4427,10 +4427,10 @@
             <p:cNvPr id="14" name="Rectangle 13">
               <a:extLst>
                 <a:ext uri="{FF2B5EF4-FFF2-40B4-BE49-F238E27FC236}">
-                  <a16:creationId xmlns:a16="http://schemas.microsoft.com/office/drawing/2014/main" id="{C892F72C-7FB6-49C8-A402-D5DC42DB6746}"/>
+                  <a16:creationId xmlns:a16="http://schemas.microsoft.com/office/drawing/2014/main" xmlns="" id="{C892F72C-7FB6-49C8-A402-D5DC42DB6746}"/>
                 </a:ext>
                 <a:ext uri="{C183D7F6-B498-43B3-948B-1728B52AA6E4}">
-                  <adec:decorative xmlns:adec="http://schemas.microsoft.com/office/drawing/2017/decorative" val="1"/>
+                  <adec:decorative xmlns:adec="http://schemas.microsoft.com/office/drawing/2017/decorative" xmlns="" val="1"/>
                 </a:ext>
               </a:extLst>
             </p:cNvPr>
@@ -4438,7 +4438,7 @@
             <p:nvPr>
               <p:extLst>
                 <p:ext uri="{386F3935-93C4-4BCD-93E2-E3B085C9AB24}">
-                  <p16:designElem xmlns:p16="http://schemas.microsoft.com/office/powerpoint/2015/main" val="1"/>
+                  <p16:designElem xmlns:p16="http://schemas.microsoft.com/office/powerpoint/2015/main" xmlns="" val="1"/>
                 </p:ext>
               </p:extLst>
             </p:nvPr>
@@ -4488,10 +4488,10 @@
             <p:cNvPr id="15" name="Straight Connector 14">
               <a:extLst>
                 <a:ext uri="{FF2B5EF4-FFF2-40B4-BE49-F238E27FC236}">
-                  <a16:creationId xmlns:a16="http://schemas.microsoft.com/office/drawing/2014/main" id="{FC92C2E1-605F-49BD-8AC8-DC52B3015E39}"/>
+                  <a16:creationId xmlns:a16="http://schemas.microsoft.com/office/drawing/2014/main" xmlns="" id="{FC92C2E1-605F-49BD-8AC8-DC52B3015E39}"/>
                 </a:ext>
                 <a:ext uri="{C183D7F6-B498-43B3-948B-1728B52AA6E4}">
-                  <adec:decorative xmlns:adec="http://schemas.microsoft.com/office/drawing/2017/decorative" val="1"/>
+                  <adec:decorative xmlns:adec="http://schemas.microsoft.com/office/drawing/2017/decorative" xmlns="" val="1"/>
                 </a:ext>
               </a:extLst>
             </p:cNvPr>
@@ -4499,7 +4499,7 @@
             <p:nvPr>
               <p:extLst>
                 <p:ext uri="{386F3935-93C4-4BCD-93E2-E3B085C9AB24}">
-                  <p16:designElem xmlns:p16="http://schemas.microsoft.com/office/powerpoint/2015/main" val="1"/>
+                  <p16:designElem xmlns:p16="http://schemas.microsoft.com/office/powerpoint/2015/main" xmlns="" val="1"/>
                 </p:ext>
               </p:extLst>
             </p:nvPr>
@@ -4538,10 +4538,10 @@
             <p:cNvPr id="16" name="Straight Connector 15">
               <a:extLst>
                 <a:ext uri="{FF2B5EF4-FFF2-40B4-BE49-F238E27FC236}">
-                  <a16:creationId xmlns:a16="http://schemas.microsoft.com/office/drawing/2014/main" id="{38BE2E0F-EE6D-4748-AB8F-724D0DDC6E00}"/>
+                  <a16:creationId xmlns:a16="http://schemas.microsoft.com/office/drawing/2014/main" xmlns="" id="{38BE2E0F-EE6D-4748-AB8F-724D0DDC6E00}"/>
                 </a:ext>
                 <a:ext uri="{C183D7F6-B498-43B3-948B-1728B52AA6E4}">
-                  <adec:decorative xmlns:adec="http://schemas.microsoft.com/office/drawing/2017/decorative" val="1"/>
+                  <adec:decorative xmlns:adec="http://schemas.microsoft.com/office/drawing/2017/decorative" xmlns="" val="1"/>
                 </a:ext>
               </a:extLst>
             </p:cNvPr>
@@ -4549,7 +4549,7 @@
             <p:nvPr>
               <p:extLst>
                 <p:ext uri="{386F3935-93C4-4BCD-93E2-E3B085C9AB24}">
-                  <p16:designElem xmlns:p16="http://schemas.microsoft.com/office/powerpoint/2015/main" val="1"/>
+                  <p16:designElem xmlns:p16="http://schemas.microsoft.com/office/powerpoint/2015/main" xmlns="" val="1"/>
                 </p:ext>
               </p:extLst>
             </p:nvPr>
@@ -4589,7 +4589,7 @@
           <p:cNvPr id="6" name="Picture 5" descr="A logo of a person with glasses&#10;&#10;Description automatically generated">
             <a:extLst>
               <a:ext uri="{FF2B5EF4-FFF2-40B4-BE49-F238E27FC236}">
-                <a16:creationId xmlns:a16="http://schemas.microsoft.com/office/drawing/2014/main" id="{EC1B70AB-4AF2-8081-F252-DC8953E87874}"/>
+                <a16:creationId xmlns:a16="http://schemas.microsoft.com/office/drawing/2014/main" xmlns="" id="{EC1B70AB-4AF2-8081-F252-DC8953E87874}"/>
               </a:ext>
             </a:extLst>
           </p:cNvPr>
@@ -4649,7 +4649,7 @@
           <p:cNvPr id="2" name="Title 1">
             <a:extLst>
               <a:ext uri="{FF2B5EF4-FFF2-40B4-BE49-F238E27FC236}">
-                <a16:creationId xmlns:a16="http://schemas.microsoft.com/office/drawing/2014/main" id="{BC22D0EC-5238-F4BF-1133-D79265EE0945}"/>
+                <a16:creationId xmlns:a16="http://schemas.microsoft.com/office/drawing/2014/main" xmlns="" id="{BC22D0EC-5238-F4BF-1133-D79265EE0945}"/>
               </a:ext>
             </a:extLst>
           </p:cNvPr>
@@ -4794,7 +4794,7 @@
           <p:cNvPr id="2" name="Title 1">
             <a:extLst>
               <a:ext uri="{FF2B5EF4-FFF2-40B4-BE49-F238E27FC236}">
-                <a16:creationId xmlns:a16="http://schemas.microsoft.com/office/drawing/2014/main" id="{BC22D0EC-5238-F4BF-1133-D79265EE0945}"/>
+                <a16:creationId xmlns:a16="http://schemas.microsoft.com/office/drawing/2014/main" xmlns="" id="{BC22D0EC-5238-F4BF-1133-D79265EE0945}"/>
               </a:ext>
             </a:extLst>
           </p:cNvPr>
@@ -4836,9 +4836,188 @@
         <p:spPr/>
         <p:txBody>
           <a:bodyPr>
-            <a:normAutofit/>
+            <a:normAutofit fontScale="92500" lnSpcReduction="20000"/>
           </a:bodyPr>
           <a:lstStyle/>
+          <a:p>
+            <a:r>
+              <a:rPr lang="en-IN" dirty="0"/>
+              <a:t>from </a:t>
+            </a:r>
+            <a:r>
+              <a:rPr lang="en-IN" dirty="0" err="1"/>
+              <a:t>langchain.agents.agent_toolkits</a:t>
+            </a:r>
+            <a:r>
+              <a:rPr lang="en-IN" dirty="0"/>
+              <a:t> import </a:t>
+            </a:r>
+            <a:r>
+              <a:rPr lang="en-IN" dirty="0" err="1"/>
+              <a:t>GmailToolkit</a:t>
+            </a:r>
+            <a:endParaRPr lang="en-IN" dirty="0"/>
+          </a:p>
+          <a:p>
+            <a:r>
+              <a:rPr lang="en-IN" dirty="0"/>
+              <a:t>from </a:t>
+            </a:r>
+            <a:r>
+              <a:rPr lang="en-IN" dirty="0" err="1"/>
+              <a:t>langchain.chat_models</a:t>
+            </a:r>
+            <a:r>
+              <a:rPr lang="en-IN" dirty="0"/>
+              <a:t> import </a:t>
+            </a:r>
+            <a:r>
+              <a:rPr lang="en-IN" dirty="0" err="1"/>
+              <a:t>ChatOpenAI</a:t>
+            </a:r>
+            <a:endParaRPr lang="en-IN" dirty="0"/>
+          </a:p>
+          <a:p>
+            <a:r>
+              <a:rPr lang="en-IN" dirty="0"/>
+              <a:t>from </a:t>
+            </a:r>
+            <a:r>
+              <a:rPr lang="en-IN" dirty="0" err="1"/>
+              <a:t>langchain.agents</a:t>
+            </a:r>
+            <a:r>
+              <a:rPr lang="en-IN" dirty="0"/>
+              <a:t> import </a:t>
+            </a:r>
+            <a:r>
+              <a:rPr lang="en-IN" dirty="0" err="1"/>
+              <a:t>AgentType,initialize_agent</a:t>
+            </a:r>
+            <a:endParaRPr lang="en-IN" dirty="0"/>
+          </a:p>
+          <a:p>
+            <a:r>
+              <a:rPr lang="en-IN" dirty="0"/>
+              <a:t/>
+            </a:r>
+            <a:br>
+              <a:rPr lang="en-IN" dirty="0"/>
+            </a:br>
+            <a:r>
+              <a:rPr lang="en-IN" dirty="0"/>
+              <a:t>toolkit=</a:t>
+            </a:r>
+            <a:r>
+              <a:rPr lang="en-IN" dirty="0" err="1"/>
+              <a:t>GmailToolkit</a:t>
+            </a:r>
+            <a:r>
+              <a:rPr lang="en-IN" dirty="0"/>
+              <a:t>()</a:t>
+            </a:r>
+          </a:p>
+          <a:p>
+            <a:r>
+              <a:rPr lang="en-IN" dirty="0"/>
+              <a:t/>
+            </a:r>
+            <a:br>
+              <a:rPr lang="en-IN" dirty="0"/>
+            </a:br>
+            <a:r>
+              <a:rPr lang="en-IN" dirty="0" err="1"/>
+              <a:t>llm</a:t>
+            </a:r>
+            <a:r>
+              <a:rPr lang="en-IN" dirty="0"/>
+              <a:t>=</a:t>
+            </a:r>
+            <a:r>
+              <a:rPr lang="en-IN" dirty="0" err="1"/>
+              <a:t>ChatOpenAI</a:t>
+            </a:r>
+            <a:r>
+              <a:rPr lang="en-IN" dirty="0"/>
+              <a:t>(temperature=0.0,model="gpt-4")</a:t>
+            </a:r>
+          </a:p>
+          <a:p>
+            <a:r>
+              <a:rPr lang="en-IN" dirty="0"/>
+              <a:t>agent=</a:t>
+            </a:r>
+            <a:r>
+              <a:rPr lang="en-IN" dirty="0" err="1"/>
+              <a:t>initialize_agent</a:t>
+            </a:r>
+            <a:r>
+              <a:rPr lang="en-IN" dirty="0"/>
+              <a:t>(tools=</a:t>
+            </a:r>
+            <a:r>
+              <a:rPr lang="en-IN" dirty="0" err="1"/>
+              <a:t>toolkit.get_tools</a:t>
+            </a:r>
+            <a:r>
+              <a:rPr lang="en-IN" dirty="0"/>
+              <a:t>(),</a:t>
+            </a:r>
+            <a:r>
+              <a:rPr lang="en-IN" dirty="0" err="1"/>
+              <a:t>llm</a:t>
+            </a:r>
+            <a:r>
+              <a:rPr lang="en-IN" dirty="0"/>
+              <a:t>=</a:t>
+            </a:r>
+            <a:r>
+              <a:rPr lang="en-IN" dirty="0" err="1"/>
+              <a:t>llm,verbose</a:t>
+            </a:r>
+            <a:r>
+              <a:rPr lang="en-IN" dirty="0"/>
+              <a:t>=</a:t>
+            </a:r>
+            <a:r>
+              <a:rPr lang="en-IN" dirty="0" err="1"/>
+              <a:t>True,max_iterations</a:t>
+            </a:r>
+            <a:r>
+              <a:rPr lang="en-IN" dirty="0"/>
+              <a:t>=1000,max_execution_time=1600,agent=</a:t>
+            </a:r>
+            <a:r>
+              <a:rPr lang="en-IN" dirty="0" err="1"/>
+              <a:t>AgentType.STRUCTURED_CHAT_ZERO_SHOT_REACT_DESCRIPTION</a:t>
+            </a:r>
+            <a:r>
+              <a:rPr lang="en-IN" dirty="0"/>
+              <a:t>)</a:t>
+            </a:r>
+          </a:p>
+          <a:p>
+            <a:r>
+              <a:rPr lang="en-IN" dirty="0"/>
+              <a:t>print(</a:t>
+            </a:r>
+            <a:r>
+              <a:rPr lang="en-IN" dirty="0" err="1"/>
+              <a:t>agent.run</a:t>
+            </a:r>
+            <a:r>
+              <a:rPr lang="en-IN" dirty="0"/>
+              <a:t>("how many emails received on </a:t>
+            </a:r>
+            <a:r>
+              <a:rPr lang="en-IN" dirty="0" err="1"/>
+              <a:t>avergare</a:t>
+            </a:r>
+            <a:r>
+              <a:rPr lang="en-IN"/>
+              <a:t> daily basis , check for last 4 days"))</a:t>
+            </a:r>
+          </a:p>
           <a:p>
             <a:endParaRPr lang="en-IN" dirty="0"/>
           </a:p>
@@ -5052,7 +5231,7 @@
   <a:extraClrSchemeLst/>
   <a:extLst>
     <a:ext uri="{05A4C25C-085E-4340-85A3-A5531E510DB2}">
-      <thm15:themeFamily xmlns:thm15="http://schemas.microsoft.com/office/thememl/2012/main" name="AdornVTI" id="{497E3FA9-5A27-4D12-9D04-917BEF3D1303}" vid="{34192A01-61CA-4566-9818-841C607496F7}"/>
+      <thm15:themeFamily xmlns:thm15="http://schemas.microsoft.com/office/thememl/2012/main" xmlns="" name="AdornVTI" id="{497E3FA9-5A27-4D12-9D04-917BEF3D1303}" vid="{34192A01-61CA-4566-9818-841C607496F7}"/>
     </a:ext>
   </a:extLst>
 </a:theme>
